--- a/DLH-Team 102-Paper186.pptx
+++ b/DLH-Team 102-Paper186.pptx
@@ -7186,6 +7186,14 @@
   <p:clrMapOvr>
     <a:masterClrMapping/>
   </p:clrMapOvr>
+  <mc:AlternateContent xmlns:mc="http://schemas.openxmlformats.org/markup-compatibility/2006">
+    <mc:Choice xmlns:p14="http://schemas.microsoft.com/office/powerpoint/2010/main" Requires="p14">
+      <p:transition spd="slow" p14:dur="2000" advTm="30048"/>
+    </mc:Choice>
+    <mc:Fallback>
+      <p:transition spd="slow" advTm="30048"/>
+    </mc:Fallback>
+  </mc:AlternateContent>
 </p:sld>
 </file>
 
@@ -7476,6 +7484,14 @@
   <p:clrMapOvr>
     <a:masterClrMapping/>
   </p:clrMapOvr>
+  <mc:AlternateContent xmlns:mc="http://schemas.openxmlformats.org/markup-compatibility/2006">
+    <mc:Choice xmlns:p14="http://schemas.microsoft.com/office/powerpoint/2010/main" Requires="p14">
+      <p:transition spd="slow" p14:dur="2000" advTm="56960"/>
+    </mc:Choice>
+    <mc:Fallback>
+      <p:transition spd="slow" advTm="56960"/>
+    </mc:Fallback>
+  </mc:AlternateContent>
 </p:sld>
 </file>
 
@@ -7875,7 +7891,7 @@
                 <a:cs typeface="Roboto"/>
                 <a:sym typeface="Roboto"/>
               </a:rPr>
-              <a:t>The Author makes the following claims in this paper:</a:t>
+              <a:t>The author claims that:</a:t>
             </a:r>
             <a:endParaRPr sz="1900" dirty="0">
               <a:latin typeface="Roboto"/>
@@ -7950,6 +7966,14 @@
   <p:clrMapOvr>
     <a:masterClrMapping/>
   </p:clrMapOvr>
+  <mc:AlternateContent xmlns:mc="http://schemas.openxmlformats.org/markup-compatibility/2006">
+    <mc:Choice xmlns:p14="http://schemas.microsoft.com/office/powerpoint/2010/main" Requires="p14">
+      <p:transition spd="slow" p14:dur="2000" advTm="53216"/>
+    </mc:Choice>
+    <mc:Fallback>
+      <p:transition spd="slow" advTm="53216"/>
+    </mc:Fallback>
+  </mc:AlternateContent>
 </p:sld>
 </file>
 
@@ -8065,7 +8089,7 @@
         <p:spPr>
           <a:xfrm>
             <a:off x="31800" y="535275"/>
-            <a:ext cx="9078600" cy="3477845"/>
+            <a:ext cx="9078600" cy="2964884"/>
           </a:xfrm>
           <a:prstGeom prst="rect">
             <a:avLst/>
@@ -8181,7 +8205,7 @@
                 <a:cs typeface="Roboto"/>
                 <a:sym typeface="Roboto"/>
               </a:rPr>
-              <a:t>Data has been split into train (70%), dev (10%) and test (30%). </a:t>
+              <a:t>Data has been split into train (70%), dev (10%) and test (20%). </a:t>
             </a:r>
           </a:p>
           <a:p>
@@ -8205,34 +8229,6 @@
               </a:rPr>
               <a:t>Data has been pre-processed like; removing null, sentence tokenization etc.</a:t>
             </a:r>
-          </a:p>
-          <a:p>
-            <a:pPr marL="914400" lvl="1" indent="-323850" algn="just" rtl="0">
-              <a:spcBef>
-                <a:spcPts val="400"/>
-              </a:spcBef>
-              <a:spcAft>
-                <a:spcPts val="0"/>
-              </a:spcAft>
-              <a:buSzPts val="1500"/>
-              <a:buFont typeface="Roboto"/>
-              <a:buChar char="○"/>
-            </a:pPr>
-            <a:r>
-              <a:rPr lang="en-GB" sz="1500" dirty="0">
-                <a:latin typeface="Roboto"/>
-                <a:ea typeface="Roboto"/>
-                <a:cs typeface="Roboto"/>
-                <a:sym typeface="Roboto"/>
-              </a:rPr>
-              <a:t>Clinical notes data via Med 7 (using model en_core_med7_lg) for NER task is used , to recognize categories in the notes like; drug, dosage, strength etc.</a:t>
-            </a:r>
-            <a:endParaRPr sz="1500" dirty="0">
-              <a:latin typeface="Roboto"/>
-              <a:ea typeface="Roboto"/>
-              <a:cs typeface="Roboto"/>
-              <a:sym typeface="Roboto"/>
-            </a:endParaRPr>
           </a:p>
           <a:p>
             <a:pPr marL="914400" lvl="1" indent="-323850" algn="just" rtl="0">
@@ -8374,6 +8370,14 @@
   <p:clrMapOvr>
     <a:masterClrMapping/>
   </p:clrMapOvr>
+  <mc:AlternateContent xmlns:mc="http://schemas.openxmlformats.org/markup-compatibility/2006">
+    <mc:Choice xmlns:p14="http://schemas.microsoft.com/office/powerpoint/2010/main" Requires="p14">
+      <p:transition spd="slow" p14:dur="2000" advTm="21035"/>
+    </mc:Choice>
+    <mc:Fallback>
+      <p:transition spd="slow" advTm="21035"/>
+    </mc:Fallback>
+  </mc:AlternateContent>
 </p:sld>
 </file>
 
@@ -8489,7 +8493,7 @@
         <p:spPr>
           <a:xfrm>
             <a:off x="31800" y="535275"/>
-            <a:ext cx="9078600" cy="2416016"/>
+            <a:ext cx="9078600" cy="2800736"/>
           </a:xfrm>
           <a:prstGeom prst="rect">
             <a:avLst/>
@@ -8531,11 +8535,13 @@
             </a:r>
           </a:p>
           <a:p>
-            <a:pPr marL="1047750" lvl="2" algn="just">
+            <a:pPr marL="1333500" lvl="2" indent="-285750" algn="just">
               <a:spcBef>
                 <a:spcPts val="400"/>
               </a:spcBef>
               <a:buSzPts val="1500"/>
+              <a:buFont typeface="Arial" panose="020B0604020202020204" pitchFamily="34" charset="0"/>
+              <a:buChar char="•"/>
             </a:pPr>
             <a:r>
               <a:rPr lang="en-GB" sz="1500" dirty="0">
@@ -8544,7 +8550,64 @@
                 <a:cs typeface="Roboto"/>
                 <a:sym typeface="Roboto"/>
               </a:rPr>
-              <a:t>This is a multimodal approach which takes the advantage of 1D convolutional layers as a feature extractor on medical entities. Applying 1D Convolutional Neural Networks (CNN) on text learns the combination of adjacent words and shows successful results. A stack of three consecutive 1D convolutional layers with filter size 32, 64, and 96 with same kernel size is used. The output of the last convolutional layer is followed by the max-pooling layer. The final features of the max-pooling layers are concatenated with the features from one-layer GRU with 256 hidden units and fed through one fully connected layer with 512 hidden units. </a:t>
+              <a:t>This is a multimodal approach which takes the advantage of 1D convolutional layers as a feature extractor on medical entities. </a:t>
+            </a:r>
+          </a:p>
+          <a:p>
+            <a:pPr marL="1333500" lvl="2" indent="-285750" algn="just">
+              <a:spcBef>
+                <a:spcPts val="400"/>
+              </a:spcBef>
+              <a:buSzPts val="1500"/>
+              <a:buFont typeface="Arial" panose="020B0604020202020204" pitchFamily="34" charset="0"/>
+              <a:buChar char="•"/>
+            </a:pPr>
+            <a:r>
+              <a:rPr lang="en-GB" sz="1500" dirty="0">
+                <a:latin typeface="Roboto"/>
+                <a:ea typeface="Roboto"/>
+                <a:cs typeface="Roboto"/>
+                <a:sym typeface="Roboto"/>
+              </a:rPr>
+              <a:t>A stack of three consecutive 1D convolutional layers with filter size 32, 64, and 96 with same kernel size are used. </a:t>
+            </a:r>
+          </a:p>
+          <a:p>
+            <a:pPr marL="1333500" lvl="2" indent="-285750" algn="just">
+              <a:spcBef>
+                <a:spcPts val="400"/>
+              </a:spcBef>
+              <a:buSzPts val="1500"/>
+              <a:buFont typeface="Arial" panose="020B0604020202020204" pitchFamily="34" charset="0"/>
+              <a:buChar char="•"/>
+            </a:pPr>
+            <a:r>
+              <a:rPr lang="en-GB" sz="1500" dirty="0">
+                <a:latin typeface="Roboto"/>
+                <a:ea typeface="Roboto"/>
+                <a:cs typeface="Roboto"/>
+                <a:sym typeface="Roboto"/>
+              </a:rPr>
+              <a:t>The output of the last convolutional layer is followed by the max-pooling layer. </a:t>
+            </a:r>
+          </a:p>
+          <a:p>
+            <a:pPr marL="1333500" lvl="2" indent="-285750" algn="just">
+              <a:spcBef>
+                <a:spcPts val="400"/>
+              </a:spcBef>
+              <a:buSzPts val="1500"/>
+              <a:buFont typeface="Arial" panose="020B0604020202020204" pitchFamily="34" charset="0"/>
+              <a:buChar char="•"/>
+            </a:pPr>
+            <a:r>
+              <a:rPr lang="en-GB" sz="1500" dirty="0">
+                <a:latin typeface="Roboto"/>
+                <a:ea typeface="Roboto"/>
+                <a:cs typeface="Roboto"/>
+                <a:sym typeface="Roboto"/>
+              </a:rPr>
+              <a:t>The final features of the max-pooling layers are concatenated with the features from one-layer GRU with 256 hidden units and fed through one fully connected layer with 512 hidden units. </a:t>
             </a:r>
           </a:p>
           <a:p>
@@ -8691,7 +8754,7 @@
         <p:spPr>
           <a:xfrm>
             <a:off x="181250" y="608950"/>
-            <a:ext cx="8893500" cy="3416290"/>
+            <a:ext cx="8893500" cy="4062620"/>
           </a:xfrm>
           <a:prstGeom prst="rect">
             <a:avLst/>
@@ -8817,7 +8880,7 @@
                 <a:cs typeface="Roboto"/>
                 <a:sym typeface="Roboto"/>
               </a:rPr>
-              <a:t>) and ‘proposed model’ are implemented and tests were run.</a:t>
+              <a:t>) and ‘proposed model’ has been implemented and tests were run.</a:t>
             </a:r>
             <a:endParaRPr dirty="0">
               <a:latin typeface="Roboto"/>
@@ -8901,25 +8964,7 @@
                 <a:cs typeface="Roboto"/>
                 <a:sym typeface="Roboto"/>
               </a:rPr>
-              <a:t>In my study I found that the </a:t>
-            </a:r>
-            <a:r>
-              <a:rPr lang="en-GB" dirty="0" err="1">
-                <a:latin typeface="Roboto"/>
-                <a:ea typeface="Roboto"/>
-                <a:cs typeface="Roboto"/>
-                <a:sym typeface="Roboto"/>
-              </a:rPr>
-              <a:t>avg</a:t>
-            </a:r>
-            <a:r>
-              <a:rPr lang="en-GB" dirty="0">
-                <a:latin typeface="Roboto"/>
-                <a:ea typeface="Roboto"/>
-                <a:cs typeface="Roboto"/>
-                <a:sym typeface="Roboto"/>
-              </a:rPr>
-              <a:t> of 10 iterations of </a:t>
+              <a:t>In the study I found that the average of 10 iterations of </a:t>
             </a:r>
             <a:r>
               <a:rPr lang="en-GB" dirty="0" err="1">
@@ -8937,7 +8982,7 @@
                 <a:cs typeface="Roboto"/>
                 <a:sym typeface="Roboto"/>
               </a:rPr>
-              <a:t> (baseline) performed better when compared with the proposed model, but only by small margin. When average of 2 iterations of Multimodal is considered then Proposed model did better by 0.3% when some ACC metrics are compared.</a:t>
+              <a:t> (baseline) performed better when compared with the proposed model, but only by small margin. </a:t>
             </a:r>
           </a:p>
           <a:p>
@@ -8959,17 +9004,21 @@
                 <a:cs typeface="Roboto"/>
                 <a:sym typeface="Roboto"/>
               </a:rPr>
-              <a:t>Proposed model results are better than the </a:t>
-            </a:r>
-            <a:r>
-              <a:rPr lang="en-GB" dirty="0" err="1">
-                <a:latin typeface="Roboto"/>
-                <a:ea typeface="Roboto"/>
-                <a:cs typeface="Roboto"/>
-                <a:sym typeface="Roboto"/>
-              </a:rPr>
-              <a:t>Timseries</a:t>
-            </a:r>
+              <a:t>When compared with timeseries, in multimodal we see an improvement of %1.5 AUROC, %2.5 AUPRC and %5 F1 score. The same is also observed with ‘Proposed’ 1D CNN model.</a:t>
+            </a:r>
+          </a:p>
+          <a:p>
+            <a:pPr marL="457200" lvl="0" indent="-311150" algn="l" rtl="0">
+              <a:spcBef>
+                <a:spcPts val="0"/>
+              </a:spcBef>
+              <a:spcAft>
+                <a:spcPts val="0"/>
+              </a:spcAft>
+              <a:buSzPts val="1300"/>
+              <a:buFont typeface="Roboto"/>
+              <a:buChar char="●"/>
+            </a:pPr>
             <a:r>
               <a:rPr lang="en-GB" dirty="0">
                 <a:latin typeface="Roboto"/>
@@ -8977,7 +9026,7 @@
                 <a:cs typeface="Roboto"/>
                 <a:sym typeface="Roboto"/>
               </a:rPr>
-              <a:t> model. </a:t>
+              <a:t>When average of 2 iterations of Multimodal is considered then Proposed model did better in some instances of AUC and ACC metrics by 0.2%.</a:t>
             </a:r>
           </a:p>
           <a:p>
@@ -8999,8 +9048,27 @@
                 <a:cs typeface="Roboto"/>
                 <a:sym typeface="Roboto"/>
               </a:rPr>
-              <a:t>Running more iterations for the proposed model can help in getting better results. Other hyperparameters may be incorporated in the 1D- CNN-GRU (proposed) to improve the prediction. </a:t>
-            </a:r>
+              <a:t>I think running more iterations for the proposed model can help in getting better results. Also, including additional hyperparameters or fine tuning the existing hyperparameters in the 1D-CNN-GRU (proposed) model can  improve the prediction</a:t>
+            </a:r>
+          </a:p>
+          <a:p>
+            <a:pPr marL="457200" lvl="0" indent="-311150" algn="l" rtl="0">
+              <a:spcBef>
+                <a:spcPts val="0"/>
+              </a:spcBef>
+              <a:spcAft>
+                <a:spcPts val="0"/>
+              </a:spcAft>
+              <a:buSzPts val="1300"/>
+              <a:buFont typeface="Roboto"/>
+              <a:buChar char="●"/>
+            </a:pPr>
+            <a:endParaRPr lang="en-GB" dirty="0">
+              <a:latin typeface="Roboto"/>
+              <a:ea typeface="Roboto"/>
+              <a:cs typeface="Roboto"/>
+              <a:sym typeface="Roboto"/>
+            </a:endParaRPr>
           </a:p>
           <a:p>
             <a:pPr marL="457200" lvl="0" indent="-311150" algn="l" rtl="0">
